--- a/paper/SMEML Run.pptx
+++ b/paper/SMEML Run.pptx
@@ -243,7 +243,7 @@
           <a:p>
             <a:fld id="{C46BF39F-9376-7844-89CB-60EDEAAE56CA}" type="datetimeFigureOut">
               <a:rPr lang="en-US" smtClean="0"/>
-              <a:t>6/25/24</a:t>
+              <a:t>6/26/24</a:t>
             </a:fld>
             <a:endParaRPr lang="en-US"/>
           </a:p>
@@ -413,7 +413,7 @@
           <a:p>
             <a:fld id="{C46BF39F-9376-7844-89CB-60EDEAAE56CA}" type="datetimeFigureOut">
               <a:rPr lang="en-US" smtClean="0"/>
-              <a:t>6/25/24</a:t>
+              <a:t>6/26/24</a:t>
             </a:fld>
             <a:endParaRPr lang="en-US"/>
           </a:p>
@@ -593,7 +593,7 @@
           <a:p>
             <a:fld id="{C46BF39F-9376-7844-89CB-60EDEAAE56CA}" type="datetimeFigureOut">
               <a:rPr lang="en-US" smtClean="0"/>
-              <a:t>6/25/24</a:t>
+              <a:t>6/26/24</a:t>
             </a:fld>
             <a:endParaRPr lang="en-US"/>
           </a:p>
@@ -763,7 +763,7 @@
           <a:p>
             <a:fld id="{C46BF39F-9376-7844-89CB-60EDEAAE56CA}" type="datetimeFigureOut">
               <a:rPr lang="en-US" smtClean="0"/>
-              <a:t>6/25/24</a:t>
+              <a:t>6/26/24</a:t>
             </a:fld>
             <a:endParaRPr lang="en-US"/>
           </a:p>
@@ -1009,7 +1009,7 @@
           <a:p>
             <a:fld id="{C46BF39F-9376-7844-89CB-60EDEAAE56CA}" type="datetimeFigureOut">
               <a:rPr lang="en-US" smtClean="0"/>
-              <a:t>6/25/24</a:t>
+              <a:t>6/26/24</a:t>
             </a:fld>
             <a:endParaRPr lang="en-US"/>
           </a:p>
@@ -1241,7 +1241,7 @@
           <a:p>
             <a:fld id="{C46BF39F-9376-7844-89CB-60EDEAAE56CA}" type="datetimeFigureOut">
               <a:rPr lang="en-US" smtClean="0"/>
-              <a:t>6/25/24</a:t>
+              <a:t>6/26/24</a:t>
             </a:fld>
             <a:endParaRPr lang="en-US"/>
           </a:p>
@@ -1608,7 +1608,7 @@
           <a:p>
             <a:fld id="{C46BF39F-9376-7844-89CB-60EDEAAE56CA}" type="datetimeFigureOut">
               <a:rPr lang="en-US" smtClean="0"/>
-              <a:t>6/25/24</a:t>
+              <a:t>6/26/24</a:t>
             </a:fld>
             <a:endParaRPr lang="en-US"/>
           </a:p>
@@ -1726,7 +1726,7 @@
           <a:p>
             <a:fld id="{C46BF39F-9376-7844-89CB-60EDEAAE56CA}" type="datetimeFigureOut">
               <a:rPr lang="en-US" smtClean="0"/>
-              <a:t>6/25/24</a:t>
+              <a:t>6/26/24</a:t>
             </a:fld>
             <a:endParaRPr lang="en-US"/>
           </a:p>
@@ -1821,7 +1821,7 @@
           <a:p>
             <a:fld id="{C46BF39F-9376-7844-89CB-60EDEAAE56CA}" type="datetimeFigureOut">
               <a:rPr lang="en-US" smtClean="0"/>
-              <a:t>6/25/24</a:t>
+              <a:t>6/26/24</a:t>
             </a:fld>
             <a:endParaRPr lang="en-US"/>
           </a:p>
@@ -2098,7 +2098,7 @@
           <a:p>
             <a:fld id="{C46BF39F-9376-7844-89CB-60EDEAAE56CA}" type="datetimeFigureOut">
               <a:rPr lang="en-US" smtClean="0"/>
-              <a:t>6/25/24</a:t>
+              <a:t>6/26/24</a:t>
             </a:fld>
             <a:endParaRPr lang="en-US"/>
           </a:p>
@@ -2355,7 +2355,7 @@
           <a:p>
             <a:fld id="{C46BF39F-9376-7844-89CB-60EDEAAE56CA}" type="datetimeFigureOut">
               <a:rPr lang="en-US" smtClean="0"/>
-              <a:t>6/25/24</a:t>
+              <a:t>6/26/24</a:t>
             </a:fld>
             <a:endParaRPr lang="en-US"/>
           </a:p>
@@ -2568,7 +2568,7 @@
           <a:p>
             <a:fld id="{C46BF39F-9376-7844-89CB-60EDEAAE56CA}" type="datetimeFigureOut">
               <a:rPr lang="en-US" smtClean="0"/>
-              <a:t>6/25/24</a:t>
+              <a:t>6/26/24</a:t>
             </a:fld>
             <a:endParaRPr lang="en-US"/>
           </a:p>
@@ -2987,8 +2987,8 @@
         </p:nvSpPr>
         <p:spPr>
           <a:xfrm>
-            <a:off x="2379406" y="176981"/>
-            <a:ext cx="9488129" cy="3603481"/>
+            <a:off x="2379406" y="176982"/>
+            <a:ext cx="9488129" cy="2815095"/>
           </a:xfrm>
           <a:prstGeom prst="roundRect">
             <a:avLst/>
@@ -3052,7 +3052,7 @@
         </p:nvSpPr>
         <p:spPr>
           <a:xfrm>
-            <a:off x="685729" y="1270727"/>
+            <a:off x="705211" y="1091305"/>
             <a:ext cx="1303282" cy="1193918"/>
           </a:xfrm>
           <a:prstGeom prst="rect">
@@ -3105,8 +3105,8 @@
         </p:nvCxnSpPr>
         <p:spPr>
           <a:xfrm>
-            <a:off x="1989012" y="1867686"/>
-            <a:ext cx="831881" cy="0"/>
+            <a:off x="2008493" y="1688264"/>
+            <a:ext cx="812399" cy="0"/>
           </a:xfrm>
           <a:prstGeom prst="straightConnector1">
             <a:avLst/>
@@ -3144,7 +3144,7 @@
         </p:nvSpPr>
         <p:spPr>
           <a:xfrm>
-            <a:off x="2820892" y="1510334"/>
+            <a:off x="2820892" y="1330912"/>
             <a:ext cx="1303282" cy="714704"/>
           </a:xfrm>
           <a:prstGeom prst="roundRect">
@@ -3193,8 +3193,8 @@
         </p:nvSpPr>
         <p:spPr>
           <a:xfrm>
-            <a:off x="4956056" y="459300"/>
-            <a:ext cx="2806263" cy="2816772"/>
+            <a:off x="5105657" y="459300"/>
+            <a:ext cx="2482014" cy="2431373"/>
           </a:xfrm>
           <a:prstGeom prst="ellipse">
             <a:avLst/>
@@ -3244,8 +3244,8 @@
         </p:nvCxnSpPr>
         <p:spPr>
           <a:xfrm>
-            <a:off x="4124175" y="1854548"/>
-            <a:ext cx="831881" cy="0"/>
+            <a:off x="4124174" y="1648709"/>
+            <a:ext cx="981483" cy="0"/>
           </a:xfrm>
           <a:prstGeom prst="straightConnector1">
             <a:avLst/>
@@ -3285,8 +3285,8 @@
         </p:nvCxnSpPr>
         <p:spPr>
           <a:xfrm>
-            <a:off x="7762319" y="1828272"/>
-            <a:ext cx="831881" cy="0"/>
+            <a:off x="7587671" y="1639568"/>
+            <a:ext cx="1006529" cy="0"/>
           </a:xfrm>
           <a:prstGeom prst="straightConnector1">
             <a:avLst/>
@@ -3324,8 +3324,8 @@
         </p:nvSpPr>
         <p:spPr>
           <a:xfrm>
-            <a:off x="8594199" y="383100"/>
-            <a:ext cx="2806263" cy="2816768"/>
+            <a:off x="8594199" y="383101"/>
+            <a:ext cx="2912072" cy="2360100"/>
           </a:xfrm>
           <a:prstGeom prst="rect">
             <a:avLst/>
@@ -3409,8 +3409,8 @@
         </p:nvSpPr>
         <p:spPr>
           <a:xfrm>
-            <a:off x="8700084" y="873302"/>
-            <a:ext cx="2543503" cy="539813"/>
+            <a:off x="8700085" y="873303"/>
+            <a:ext cx="2543502" cy="451708"/>
           </a:xfrm>
           <a:prstGeom prst="roundRect">
             <a:avLst/>
@@ -3462,8 +3462,8 @@
         </p:nvSpPr>
         <p:spPr>
           <a:xfrm>
-            <a:off x="8700083" y="1558366"/>
-            <a:ext cx="2543503" cy="539813"/>
+            <a:off x="8700082" y="1413714"/>
+            <a:ext cx="2543503" cy="451708"/>
           </a:xfrm>
           <a:prstGeom prst="roundRect">
             <a:avLst/>
@@ -3515,8 +3515,8 @@
         </p:nvSpPr>
         <p:spPr>
           <a:xfrm>
-            <a:off x="8725578" y="2475209"/>
-            <a:ext cx="2543503" cy="539813"/>
+            <a:off x="8700082" y="2190601"/>
+            <a:ext cx="2543503" cy="391488"/>
           </a:xfrm>
           <a:prstGeom prst="roundRect">
             <a:avLst/>
@@ -3567,9 +3567,9 @@
           <p:nvPr/>
         </p:nvSpPr>
         <p:spPr>
-          <a:xfrm>
-            <a:off x="9865950" y="2098179"/>
-            <a:ext cx="122997" cy="366467"/>
+          <a:xfrm flipH="1">
+            <a:off x="9865949" y="1894513"/>
+            <a:ext cx="108533" cy="268529"/>
           </a:xfrm>
           <a:prstGeom prst="downArrow">
             <a:avLst/>
@@ -3616,7 +3616,7 @@
         </p:nvCxnSpPr>
         <p:spPr>
           <a:xfrm>
-            <a:off x="9909413" y="3199868"/>
+            <a:off x="9974482" y="3027043"/>
             <a:ext cx="0" cy="768174"/>
           </a:xfrm>
           <a:prstGeom prst="straightConnector1">
@@ -3655,7 +3655,7 @@
         </p:nvSpPr>
         <p:spPr>
           <a:xfrm>
-            <a:off x="9257772" y="3987356"/>
+            <a:off x="9320192" y="3833182"/>
             <a:ext cx="1303282" cy="1193918"/>
           </a:xfrm>
           <a:prstGeom prst="rect">
@@ -3704,7 +3704,7 @@
         </p:nvSpPr>
         <p:spPr>
           <a:xfrm>
-            <a:off x="7935926" y="3411130"/>
+            <a:off x="8002931" y="3165371"/>
             <a:ext cx="1915291" cy="369332"/>
           </a:xfrm>
           <a:prstGeom prst="rect">
@@ -3737,15 +3737,13 @@
           </p:cNvPr>
           <p:cNvCxnSpPr>
             <a:cxnSpLocks/>
-            <a:stCxn id="25" idx="1"/>
-            <a:endCxn id="30" idx="3"/>
           </p:cNvCxnSpPr>
           <p:nvPr/>
         </p:nvCxnSpPr>
         <p:spPr>
           <a:xfrm flipH="1">
-            <a:off x="6874976" y="4584315"/>
-            <a:ext cx="2382796" cy="0"/>
+            <a:off x="7587671" y="4921072"/>
+            <a:ext cx="1704840" cy="0"/>
           </a:xfrm>
           <a:prstGeom prst="straightConnector1">
             <a:avLst/>
@@ -3783,8 +3781,8 @@
         </p:nvSpPr>
         <p:spPr>
           <a:xfrm>
-            <a:off x="5571694" y="3987356"/>
-            <a:ext cx="1303282" cy="1193918"/>
+            <a:off x="6270549" y="4605574"/>
+            <a:ext cx="1303282" cy="630993"/>
           </a:xfrm>
           <a:prstGeom prst="rect">
             <a:avLst/>
@@ -3832,7 +3830,7 @@
         </p:nvSpPr>
         <p:spPr>
           <a:xfrm>
-            <a:off x="7108729" y="4199508"/>
+            <a:off x="7482445" y="4952620"/>
             <a:ext cx="1915291" cy="369332"/>
           </a:xfrm>
           <a:prstGeom prst="rect">
@@ -3854,47 +3852,6 @@
           </a:p>
         </p:txBody>
       </p:sp>
-      <p:cxnSp>
-        <p:nvCxnSpPr>
-          <p:cNvPr id="33" name="Straight Arrow Connector 32">
-            <a:extLst>
-              <a:ext uri="{FF2B5EF4-FFF2-40B4-BE49-F238E27FC236}">
-                <a16:creationId xmlns:a16="http://schemas.microsoft.com/office/drawing/2014/main" id="{AA81950D-8CD1-318B-FFD8-A792B0E4F43F}"/>
-              </a:ext>
-            </a:extLst>
-          </p:cNvPr>
-          <p:cNvCxnSpPr>
-            <a:cxnSpLocks/>
-          </p:cNvCxnSpPr>
-          <p:nvPr/>
-        </p:nvCxnSpPr>
-        <p:spPr>
-          <a:xfrm flipH="1">
-            <a:off x="4324864" y="4568841"/>
-            <a:ext cx="1246830" cy="15475"/>
-          </a:xfrm>
-          <a:prstGeom prst="straightConnector1">
-            <a:avLst/>
-          </a:prstGeom>
-          <a:ln>
-            <a:tailEnd type="triangle"/>
-          </a:ln>
-        </p:spPr>
-        <p:style>
-          <a:lnRef idx="2">
-            <a:schemeClr val="accent1"/>
-          </a:lnRef>
-          <a:fillRef idx="0">
-            <a:schemeClr val="accent1"/>
-          </a:fillRef>
-          <a:effectRef idx="1">
-            <a:schemeClr val="accent1"/>
-          </a:effectRef>
-          <a:fontRef idx="minor">
-            <a:schemeClr val="tx1"/>
-          </a:fontRef>
-        </p:style>
-      </p:cxnSp>
       <p:sp>
         <p:nvSpPr>
           <p:cNvPr id="35" name="Rectangle 34">
@@ -3909,7 +3866,7 @@
         </p:nvSpPr>
         <p:spPr>
           <a:xfrm>
-            <a:off x="2759070" y="3987356"/>
+            <a:off x="1596508" y="3589036"/>
             <a:ext cx="1565795" cy="1193918"/>
           </a:xfrm>
           <a:prstGeom prst="rect">
@@ -3975,6 +3932,253 @@
             <a:r>
               <a:rPr lang="en-US" dirty="0"/>
               <a:t>Smart Model Elimination</a:t>
+            </a:r>
+          </a:p>
+        </p:txBody>
+      </p:sp>
+      <p:sp>
+        <p:nvSpPr>
+          <p:cNvPr id="31" name="Rectangle 30">
+            <a:extLst>
+              <a:ext uri="{FF2B5EF4-FFF2-40B4-BE49-F238E27FC236}">
+                <a16:creationId xmlns:a16="http://schemas.microsoft.com/office/drawing/2014/main" id="{CF3CC915-B143-B948-404F-36EE26570CA9}"/>
+              </a:ext>
+            </a:extLst>
+          </p:cNvPr>
+          <p:cNvSpPr/>
+          <p:nvPr/>
+        </p:nvSpPr>
+        <p:spPr>
+          <a:xfrm>
+            <a:off x="6284389" y="3339123"/>
+            <a:ext cx="1303282" cy="937919"/>
+          </a:xfrm>
+          <a:prstGeom prst="rect">
+            <a:avLst/>
+          </a:prstGeom>
+        </p:spPr>
+        <p:style>
+          <a:lnRef idx="2">
+            <a:schemeClr val="accent1">
+              <a:shade val="15000"/>
+            </a:schemeClr>
+          </a:lnRef>
+          <a:fillRef idx="1">
+            <a:schemeClr val="accent1"/>
+          </a:fillRef>
+          <a:effectRef idx="0">
+            <a:schemeClr val="accent1"/>
+          </a:effectRef>
+          <a:fontRef idx="minor">
+            <a:schemeClr val="lt1"/>
+          </a:fontRef>
+        </p:style>
+        <p:txBody>
+          <a:bodyPr rtlCol="0" anchor="ctr"/>
+          <a:lstStyle/>
+          <a:p>
+            <a:pPr algn="ctr"/>
+            <a:r>
+              <a:rPr lang="en-US" dirty="0"/>
+              <a:t>Best Individual Model</a:t>
+            </a:r>
+          </a:p>
+        </p:txBody>
+      </p:sp>
+      <p:cxnSp>
+        <p:nvCxnSpPr>
+          <p:cNvPr id="34" name="Straight Arrow Connector 33">
+            <a:extLst>
+              <a:ext uri="{FF2B5EF4-FFF2-40B4-BE49-F238E27FC236}">
+                <a16:creationId xmlns:a16="http://schemas.microsoft.com/office/drawing/2014/main" id="{CDAE64CC-FACE-E0D6-04A6-2C37A75DBA48}"/>
+              </a:ext>
+            </a:extLst>
+          </p:cNvPr>
+          <p:cNvCxnSpPr>
+            <a:cxnSpLocks/>
+          </p:cNvCxnSpPr>
+          <p:nvPr/>
+        </p:nvCxnSpPr>
+        <p:spPr>
+          <a:xfrm flipH="1">
+            <a:off x="7587671" y="3963129"/>
+            <a:ext cx="1704840" cy="0"/>
+          </a:xfrm>
+          <a:prstGeom prst="straightConnector1">
+            <a:avLst/>
+          </a:prstGeom>
+          <a:ln>
+            <a:tailEnd type="triangle"/>
+          </a:ln>
+        </p:spPr>
+        <p:style>
+          <a:lnRef idx="2">
+            <a:schemeClr val="accent1"/>
+          </a:lnRef>
+          <a:fillRef idx="0">
+            <a:schemeClr val="accent1"/>
+          </a:fillRef>
+          <a:effectRef idx="1">
+            <a:schemeClr val="accent1"/>
+          </a:effectRef>
+          <a:fontRef idx="minor">
+            <a:schemeClr val="tx1"/>
+          </a:fontRef>
+        </p:style>
+      </p:cxnSp>
+      <p:cxnSp>
+        <p:nvCxnSpPr>
+          <p:cNvPr id="37" name="Elbow Connector 36">
+            <a:extLst>
+              <a:ext uri="{FF2B5EF4-FFF2-40B4-BE49-F238E27FC236}">
+                <a16:creationId xmlns:a16="http://schemas.microsoft.com/office/drawing/2014/main" id="{B8E99F96-86C4-375C-541E-280D8806D912}"/>
+              </a:ext>
+            </a:extLst>
+          </p:cNvPr>
+          <p:cNvCxnSpPr>
+            <a:cxnSpLocks/>
+          </p:cNvCxnSpPr>
+          <p:nvPr/>
+        </p:nvCxnSpPr>
+        <p:spPr>
+          <a:xfrm rot="10800000">
+            <a:off x="3262963" y="4153991"/>
+            <a:ext cx="2993748" cy="813417"/>
+          </a:xfrm>
+          <a:prstGeom prst="bentConnector3">
+            <a:avLst>
+              <a:gd name="adj1" fmla="val 31995"/>
+            </a:avLst>
+          </a:prstGeom>
+          <a:ln>
+            <a:tailEnd type="triangle"/>
+          </a:ln>
+        </p:spPr>
+        <p:style>
+          <a:lnRef idx="2">
+            <a:schemeClr val="accent1"/>
+          </a:lnRef>
+          <a:fillRef idx="0">
+            <a:schemeClr val="accent1"/>
+          </a:fillRef>
+          <a:effectRef idx="1">
+            <a:schemeClr val="accent1"/>
+          </a:effectRef>
+          <a:fontRef idx="minor">
+            <a:schemeClr val="tx1"/>
+          </a:fontRef>
+        </p:style>
+      </p:cxnSp>
+      <p:cxnSp>
+        <p:nvCxnSpPr>
+          <p:cNvPr id="39" name="Elbow Connector 38">
+            <a:extLst>
+              <a:ext uri="{FF2B5EF4-FFF2-40B4-BE49-F238E27FC236}">
+                <a16:creationId xmlns:a16="http://schemas.microsoft.com/office/drawing/2014/main" id="{C048023D-59EF-F74E-F3D4-D1C25BABCD2A}"/>
+              </a:ext>
+            </a:extLst>
+          </p:cNvPr>
+          <p:cNvCxnSpPr>
+            <a:cxnSpLocks/>
+          </p:cNvCxnSpPr>
+          <p:nvPr/>
+        </p:nvCxnSpPr>
+        <p:spPr>
+          <a:xfrm rot="10800000" flipV="1">
+            <a:off x="3262965" y="3808085"/>
+            <a:ext cx="3021425" cy="345904"/>
+          </a:xfrm>
+          <a:prstGeom prst="bentConnector3">
+            <a:avLst>
+              <a:gd name="adj1" fmla="val 32638"/>
+            </a:avLst>
+          </a:prstGeom>
+          <a:ln>
+            <a:tailEnd type="triangle"/>
+          </a:ln>
+        </p:spPr>
+        <p:style>
+          <a:lnRef idx="2">
+            <a:schemeClr val="accent1"/>
+          </a:lnRef>
+          <a:fillRef idx="0">
+            <a:schemeClr val="accent1"/>
+          </a:fillRef>
+          <a:effectRef idx="1">
+            <a:schemeClr val="accent1"/>
+          </a:effectRef>
+          <a:fontRef idx="minor">
+            <a:schemeClr val="tx1"/>
+          </a:fontRef>
+        </p:style>
+      </p:cxnSp>
+      <p:sp>
+        <p:nvSpPr>
+          <p:cNvPr id="43" name="TextBox 42">
+            <a:extLst>
+              <a:ext uri="{FF2B5EF4-FFF2-40B4-BE49-F238E27FC236}">
+                <a16:creationId xmlns:a16="http://schemas.microsoft.com/office/drawing/2014/main" id="{EB0CB76B-D07A-5D4F-8B5F-B47D1E7A6574}"/>
+              </a:ext>
+            </a:extLst>
+          </p:cNvPr>
+          <p:cNvSpPr txBox="1"/>
+          <p:nvPr/>
+        </p:nvSpPr>
+        <p:spPr>
+          <a:xfrm>
+            <a:off x="3262961" y="3798732"/>
+            <a:ext cx="1952779" cy="369332"/>
+          </a:xfrm>
+          <a:prstGeom prst="rect">
+            <a:avLst/>
+          </a:prstGeom>
+          <a:noFill/>
+        </p:spPr>
+        <p:txBody>
+          <a:bodyPr wrap="none" rtlCol="0">
+            <a:spAutoFit/>
+          </a:bodyPr>
+          <a:lstStyle/>
+          <a:p>
+            <a:r>
+              <a:rPr lang="en-US" dirty="0"/>
+              <a:t>Take Better Model</a:t>
+            </a:r>
+          </a:p>
+        </p:txBody>
+      </p:sp>
+      <p:sp>
+        <p:nvSpPr>
+          <p:cNvPr id="48" name="TextBox 47">
+            <a:extLst>
+              <a:ext uri="{FF2B5EF4-FFF2-40B4-BE49-F238E27FC236}">
+                <a16:creationId xmlns:a16="http://schemas.microsoft.com/office/drawing/2014/main" id="{B1A2745D-CB1E-D3F9-84DE-D1D85174E893}"/>
+              </a:ext>
+            </a:extLst>
+          </p:cNvPr>
+          <p:cNvSpPr txBox="1"/>
+          <p:nvPr/>
+        </p:nvSpPr>
+        <p:spPr>
+          <a:xfrm>
+            <a:off x="7482444" y="3611705"/>
+            <a:ext cx="1915291" cy="369332"/>
+          </a:xfrm>
+          <a:prstGeom prst="rect">
+            <a:avLst/>
+          </a:prstGeom>
+          <a:noFill/>
+        </p:spPr>
+        <p:txBody>
+          <a:bodyPr wrap="square" rtlCol="0">
+            <a:spAutoFit/>
+          </a:bodyPr>
+          <a:lstStyle/>
+          <a:p>
+            <a:pPr algn="ctr"/>
+            <a:r>
+              <a:rPr lang="en-US" dirty="0"/>
+              <a:t>Take Best Model</a:t>
             </a:r>
           </a:p>
         </p:txBody>
